--- a/Big World 기획.pptx
+++ b/Big World 기획.pptx
@@ -262,7 +262,7 @@
           <a:p>
             <a:fld id="{D0D4288D-7C7C-4098-967D-02189A3039CD}" type="datetimeFigureOut">
               <a:rPr lang="ko-KR" altLang="en-US" smtClean="0"/>
-              <a:t>2018-06-27</a:t>
+              <a:t>2018-06-28</a:t>
             </a:fld>
             <a:endParaRPr lang="ko-KR" altLang="en-US"/>
           </a:p>
@@ -460,7 +460,7 @@
           <a:p>
             <a:fld id="{D0D4288D-7C7C-4098-967D-02189A3039CD}" type="datetimeFigureOut">
               <a:rPr lang="ko-KR" altLang="en-US" smtClean="0"/>
-              <a:t>2018-06-27</a:t>
+              <a:t>2018-06-28</a:t>
             </a:fld>
             <a:endParaRPr lang="ko-KR" altLang="en-US"/>
           </a:p>
@@ -668,7 +668,7 @@
           <a:p>
             <a:fld id="{D0D4288D-7C7C-4098-967D-02189A3039CD}" type="datetimeFigureOut">
               <a:rPr lang="ko-KR" altLang="en-US" smtClean="0"/>
-              <a:t>2018-06-27</a:t>
+              <a:t>2018-06-28</a:t>
             </a:fld>
             <a:endParaRPr lang="ko-KR" altLang="en-US"/>
           </a:p>
@@ -866,7 +866,7 @@
           <a:p>
             <a:fld id="{D0D4288D-7C7C-4098-967D-02189A3039CD}" type="datetimeFigureOut">
               <a:rPr lang="ko-KR" altLang="en-US" smtClean="0"/>
-              <a:t>2018-06-27</a:t>
+              <a:t>2018-06-28</a:t>
             </a:fld>
             <a:endParaRPr lang="ko-KR" altLang="en-US"/>
           </a:p>
@@ -1141,7 +1141,7 @@
           <a:p>
             <a:fld id="{D0D4288D-7C7C-4098-967D-02189A3039CD}" type="datetimeFigureOut">
               <a:rPr lang="ko-KR" altLang="en-US" smtClean="0"/>
-              <a:t>2018-06-27</a:t>
+              <a:t>2018-06-28</a:t>
             </a:fld>
             <a:endParaRPr lang="ko-KR" altLang="en-US"/>
           </a:p>
@@ -1406,7 +1406,7 @@
           <a:p>
             <a:fld id="{D0D4288D-7C7C-4098-967D-02189A3039CD}" type="datetimeFigureOut">
               <a:rPr lang="ko-KR" altLang="en-US" smtClean="0"/>
-              <a:t>2018-06-27</a:t>
+              <a:t>2018-06-28</a:t>
             </a:fld>
             <a:endParaRPr lang="ko-KR" altLang="en-US"/>
           </a:p>
@@ -1818,7 +1818,7 @@
           <a:p>
             <a:fld id="{D0D4288D-7C7C-4098-967D-02189A3039CD}" type="datetimeFigureOut">
               <a:rPr lang="ko-KR" altLang="en-US" smtClean="0"/>
-              <a:t>2018-06-27</a:t>
+              <a:t>2018-06-28</a:t>
             </a:fld>
             <a:endParaRPr lang="ko-KR" altLang="en-US"/>
           </a:p>
@@ -1959,7 +1959,7 @@
           <a:p>
             <a:fld id="{D0D4288D-7C7C-4098-967D-02189A3039CD}" type="datetimeFigureOut">
               <a:rPr lang="ko-KR" altLang="en-US" smtClean="0"/>
-              <a:t>2018-06-27</a:t>
+              <a:t>2018-06-28</a:t>
             </a:fld>
             <a:endParaRPr lang="ko-KR" altLang="en-US"/>
           </a:p>
@@ -2072,7 +2072,7 @@
           <a:p>
             <a:fld id="{D0D4288D-7C7C-4098-967D-02189A3039CD}" type="datetimeFigureOut">
               <a:rPr lang="ko-KR" altLang="en-US" smtClean="0"/>
-              <a:t>2018-06-27</a:t>
+              <a:t>2018-06-28</a:t>
             </a:fld>
             <a:endParaRPr lang="ko-KR" altLang="en-US"/>
           </a:p>
@@ -2383,7 +2383,7 @@
           <a:p>
             <a:fld id="{D0D4288D-7C7C-4098-967D-02189A3039CD}" type="datetimeFigureOut">
               <a:rPr lang="ko-KR" altLang="en-US" smtClean="0"/>
-              <a:t>2018-06-27</a:t>
+              <a:t>2018-06-28</a:t>
             </a:fld>
             <a:endParaRPr lang="ko-KR" altLang="en-US"/>
           </a:p>
@@ -2671,7 +2671,7 @@
           <a:p>
             <a:fld id="{D0D4288D-7C7C-4098-967D-02189A3039CD}" type="datetimeFigureOut">
               <a:rPr lang="ko-KR" altLang="en-US" smtClean="0"/>
-              <a:t>2018-06-27</a:t>
+              <a:t>2018-06-28</a:t>
             </a:fld>
             <a:endParaRPr lang="ko-KR" altLang="en-US"/>
           </a:p>
@@ -2912,7 +2912,7 @@
           <a:p>
             <a:fld id="{D0D4288D-7C7C-4098-967D-02189A3039CD}" type="datetimeFigureOut">
               <a:rPr lang="ko-KR" altLang="en-US" smtClean="0"/>
-              <a:t>2018-06-27</a:t>
+              <a:t>2018-06-28</a:t>
             </a:fld>
             <a:endParaRPr lang="ko-KR" altLang="en-US"/>
           </a:p>

--- a/Big World 기획.pptx
+++ b/Big World 기획.pptx
@@ -262,7 +262,7 @@
           <a:p>
             <a:fld id="{D0D4288D-7C7C-4098-967D-02189A3039CD}" type="datetimeFigureOut">
               <a:rPr lang="ko-KR" altLang="en-US" smtClean="0"/>
-              <a:t>2018-06-28</a:t>
+              <a:t>2018-07-01</a:t>
             </a:fld>
             <a:endParaRPr lang="ko-KR" altLang="en-US"/>
           </a:p>
@@ -460,7 +460,7 @@
           <a:p>
             <a:fld id="{D0D4288D-7C7C-4098-967D-02189A3039CD}" type="datetimeFigureOut">
               <a:rPr lang="ko-KR" altLang="en-US" smtClean="0"/>
-              <a:t>2018-06-28</a:t>
+              <a:t>2018-07-01</a:t>
             </a:fld>
             <a:endParaRPr lang="ko-KR" altLang="en-US"/>
           </a:p>
@@ -668,7 +668,7 @@
           <a:p>
             <a:fld id="{D0D4288D-7C7C-4098-967D-02189A3039CD}" type="datetimeFigureOut">
               <a:rPr lang="ko-KR" altLang="en-US" smtClean="0"/>
-              <a:t>2018-06-28</a:t>
+              <a:t>2018-07-01</a:t>
             </a:fld>
             <a:endParaRPr lang="ko-KR" altLang="en-US"/>
           </a:p>
@@ -866,7 +866,7 @@
           <a:p>
             <a:fld id="{D0D4288D-7C7C-4098-967D-02189A3039CD}" type="datetimeFigureOut">
               <a:rPr lang="ko-KR" altLang="en-US" smtClean="0"/>
-              <a:t>2018-06-28</a:t>
+              <a:t>2018-07-01</a:t>
             </a:fld>
             <a:endParaRPr lang="ko-KR" altLang="en-US"/>
           </a:p>
@@ -1141,7 +1141,7 @@
           <a:p>
             <a:fld id="{D0D4288D-7C7C-4098-967D-02189A3039CD}" type="datetimeFigureOut">
               <a:rPr lang="ko-KR" altLang="en-US" smtClean="0"/>
-              <a:t>2018-06-28</a:t>
+              <a:t>2018-07-01</a:t>
             </a:fld>
             <a:endParaRPr lang="ko-KR" altLang="en-US"/>
           </a:p>
@@ -1406,7 +1406,7 @@
           <a:p>
             <a:fld id="{D0D4288D-7C7C-4098-967D-02189A3039CD}" type="datetimeFigureOut">
               <a:rPr lang="ko-KR" altLang="en-US" smtClean="0"/>
-              <a:t>2018-06-28</a:t>
+              <a:t>2018-07-01</a:t>
             </a:fld>
             <a:endParaRPr lang="ko-KR" altLang="en-US"/>
           </a:p>
@@ -1818,7 +1818,7 @@
           <a:p>
             <a:fld id="{D0D4288D-7C7C-4098-967D-02189A3039CD}" type="datetimeFigureOut">
               <a:rPr lang="ko-KR" altLang="en-US" smtClean="0"/>
-              <a:t>2018-06-28</a:t>
+              <a:t>2018-07-01</a:t>
             </a:fld>
             <a:endParaRPr lang="ko-KR" altLang="en-US"/>
           </a:p>
@@ -1959,7 +1959,7 @@
           <a:p>
             <a:fld id="{D0D4288D-7C7C-4098-967D-02189A3039CD}" type="datetimeFigureOut">
               <a:rPr lang="ko-KR" altLang="en-US" smtClean="0"/>
-              <a:t>2018-06-28</a:t>
+              <a:t>2018-07-01</a:t>
             </a:fld>
             <a:endParaRPr lang="ko-KR" altLang="en-US"/>
           </a:p>
@@ -2072,7 +2072,7 @@
           <a:p>
             <a:fld id="{D0D4288D-7C7C-4098-967D-02189A3039CD}" type="datetimeFigureOut">
               <a:rPr lang="ko-KR" altLang="en-US" smtClean="0"/>
-              <a:t>2018-06-28</a:t>
+              <a:t>2018-07-01</a:t>
             </a:fld>
             <a:endParaRPr lang="ko-KR" altLang="en-US"/>
           </a:p>
@@ -2383,7 +2383,7 @@
           <a:p>
             <a:fld id="{D0D4288D-7C7C-4098-967D-02189A3039CD}" type="datetimeFigureOut">
               <a:rPr lang="ko-KR" altLang="en-US" smtClean="0"/>
-              <a:t>2018-06-28</a:t>
+              <a:t>2018-07-01</a:t>
             </a:fld>
             <a:endParaRPr lang="ko-KR" altLang="en-US"/>
           </a:p>
@@ -2671,7 +2671,7 @@
           <a:p>
             <a:fld id="{D0D4288D-7C7C-4098-967D-02189A3039CD}" type="datetimeFigureOut">
               <a:rPr lang="ko-KR" altLang="en-US" smtClean="0"/>
-              <a:t>2018-06-28</a:t>
+              <a:t>2018-07-01</a:t>
             </a:fld>
             <a:endParaRPr lang="ko-KR" altLang="en-US"/>
           </a:p>
@@ -2912,7 +2912,7 @@
           <a:p>
             <a:fld id="{D0D4288D-7C7C-4098-967D-02189A3039CD}" type="datetimeFigureOut">
               <a:rPr lang="ko-KR" altLang="en-US" smtClean="0"/>
-              <a:t>2018-06-28</a:t>
+              <a:t>2018-07-01</a:t>
             </a:fld>
             <a:endParaRPr lang="ko-KR" altLang="en-US"/>
           </a:p>

--- a/Big World 기획.pptx
+++ b/Big World 기획.pptx
@@ -262,7 +262,7 @@
           <a:p>
             <a:fld id="{D0D4288D-7C7C-4098-967D-02189A3039CD}" type="datetimeFigureOut">
               <a:rPr lang="ko-KR" altLang="en-US" smtClean="0"/>
-              <a:t>2018-07-01</a:t>
+              <a:t>2018-07-02</a:t>
             </a:fld>
             <a:endParaRPr lang="ko-KR" altLang="en-US"/>
           </a:p>
@@ -460,7 +460,7 @@
           <a:p>
             <a:fld id="{D0D4288D-7C7C-4098-967D-02189A3039CD}" type="datetimeFigureOut">
               <a:rPr lang="ko-KR" altLang="en-US" smtClean="0"/>
-              <a:t>2018-07-01</a:t>
+              <a:t>2018-07-02</a:t>
             </a:fld>
             <a:endParaRPr lang="ko-KR" altLang="en-US"/>
           </a:p>
@@ -668,7 +668,7 @@
           <a:p>
             <a:fld id="{D0D4288D-7C7C-4098-967D-02189A3039CD}" type="datetimeFigureOut">
               <a:rPr lang="ko-KR" altLang="en-US" smtClean="0"/>
-              <a:t>2018-07-01</a:t>
+              <a:t>2018-07-02</a:t>
             </a:fld>
             <a:endParaRPr lang="ko-KR" altLang="en-US"/>
           </a:p>
@@ -866,7 +866,7 @@
           <a:p>
             <a:fld id="{D0D4288D-7C7C-4098-967D-02189A3039CD}" type="datetimeFigureOut">
               <a:rPr lang="ko-KR" altLang="en-US" smtClean="0"/>
-              <a:t>2018-07-01</a:t>
+              <a:t>2018-07-02</a:t>
             </a:fld>
             <a:endParaRPr lang="ko-KR" altLang="en-US"/>
           </a:p>
@@ -1141,7 +1141,7 @@
           <a:p>
             <a:fld id="{D0D4288D-7C7C-4098-967D-02189A3039CD}" type="datetimeFigureOut">
               <a:rPr lang="ko-KR" altLang="en-US" smtClean="0"/>
-              <a:t>2018-07-01</a:t>
+              <a:t>2018-07-02</a:t>
             </a:fld>
             <a:endParaRPr lang="ko-KR" altLang="en-US"/>
           </a:p>
@@ -1406,7 +1406,7 @@
           <a:p>
             <a:fld id="{D0D4288D-7C7C-4098-967D-02189A3039CD}" type="datetimeFigureOut">
               <a:rPr lang="ko-KR" altLang="en-US" smtClean="0"/>
-              <a:t>2018-07-01</a:t>
+              <a:t>2018-07-02</a:t>
             </a:fld>
             <a:endParaRPr lang="ko-KR" altLang="en-US"/>
           </a:p>
@@ -1818,7 +1818,7 @@
           <a:p>
             <a:fld id="{D0D4288D-7C7C-4098-967D-02189A3039CD}" type="datetimeFigureOut">
               <a:rPr lang="ko-KR" altLang="en-US" smtClean="0"/>
-              <a:t>2018-07-01</a:t>
+              <a:t>2018-07-02</a:t>
             </a:fld>
             <a:endParaRPr lang="ko-KR" altLang="en-US"/>
           </a:p>
@@ -1959,7 +1959,7 @@
           <a:p>
             <a:fld id="{D0D4288D-7C7C-4098-967D-02189A3039CD}" type="datetimeFigureOut">
               <a:rPr lang="ko-KR" altLang="en-US" smtClean="0"/>
-              <a:t>2018-07-01</a:t>
+              <a:t>2018-07-02</a:t>
             </a:fld>
             <a:endParaRPr lang="ko-KR" altLang="en-US"/>
           </a:p>
@@ -2072,7 +2072,7 @@
           <a:p>
             <a:fld id="{D0D4288D-7C7C-4098-967D-02189A3039CD}" type="datetimeFigureOut">
               <a:rPr lang="ko-KR" altLang="en-US" smtClean="0"/>
-              <a:t>2018-07-01</a:t>
+              <a:t>2018-07-02</a:t>
             </a:fld>
             <a:endParaRPr lang="ko-KR" altLang="en-US"/>
           </a:p>
@@ -2383,7 +2383,7 @@
           <a:p>
             <a:fld id="{D0D4288D-7C7C-4098-967D-02189A3039CD}" type="datetimeFigureOut">
               <a:rPr lang="ko-KR" altLang="en-US" smtClean="0"/>
-              <a:t>2018-07-01</a:t>
+              <a:t>2018-07-02</a:t>
             </a:fld>
             <a:endParaRPr lang="ko-KR" altLang="en-US"/>
           </a:p>
@@ -2671,7 +2671,7 @@
           <a:p>
             <a:fld id="{D0D4288D-7C7C-4098-967D-02189A3039CD}" type="datetimeFigureOut">
               <a:rPr lang="ko-KR" altLang="en-US" smtClean="0"/>
-              <a:t>2018-07-01</a:t>
+              <a:t>2018-07-02</a:t>
             </a:fld>
             <a:endParaRPr lang="ko-KR" altLang="en-US"/>
           </a:p>
@@ -2912,7 +2912,7 @@
           <a:p>
             <a:fld id="{D0D4288D-7C7C-4098-967D-02189A3039CD}" type="datetimeFigureOut">
               <a:rPr lang="ko-KR" altLang="en-US" smtClean="0"/>
-              <a:t>2018-07-01</a:t>
+              <a:t>2018-07-02</a:t>
             </a:fld>
             <a:endParaRPr lang="ko-KR" altLang="en-US"/>
           </a:p>
@@ -3646,7 +3646,7 @@
         <p:spPr>
           <a:xfrm>
             <a:off x="4161352" y="1438712"/>
-            <a:ext cx="3187817" cy="1998677"/>
+            <a:ext cx="3187817" cy="2432192"/>
           </a:xfrm>
           <a:prstGeom prst="rect">
             <a:avLst/>
@@ -3676,55 +3676,6 @@
             <a:r>
               <a:rPr lang="ko-KR" altLang="en-US" dirty="0"/>
               <a:t>미리보기</a:t>
-            </a:r>
-          </a:p>
-        </p:txBody>
-      </p:sp>
-      <p:sp>
-        <p:nvSpPr>
-          <p:cNvPr id="8" name="직사각형 7">
-            <a:extLst>
-              <a:ext uri="{FF2B5EF4-FFF2-40B4-BE49-F238E27FC236}">
-                <a16:creationId xmlns:a16="http://schemas.microsoft.com/office/drawing/2014/main" id="{FAAD60EA-A0C5-4B0E-BCD3-325364700151}"/>
-              </a:ext>
-            </a:extLst>
-          </p:cNvPr>
-          <p:cNvSpPr/>
-          <p:nvPr/>
-        </p:nvSpPr>
-        <p:spPr>
-          <a:xfrm>
-            <a:off x="4161351" y="3431929"/>
-            <a:ext cx="3187817" cy="387991"/>
-          </a:xfrm>
-          <a:prstGeom prst="rect">
-            <a:avLst/>
-          </a:prstGeom>
-        </p:spPr>
-        <p:style>
-          <a:lnRef idx="2">
-            <a:schemeClr val="accent1">
-              <a:shade val="50000"/>
-            </a:schemeClr>
-          </a:lnRef>
-          <a:fillRef idx="1">
-            <a:schemeClr val="accent1"/>
-          </a:fillRef>
-          <a:effectRef idx="0">
-            <a:schemeClr val="accent1"/>
-          </a:effectRef>
-          <a:fontRef idx="minor">
-            <a:schemeClr val="lt1"/>
-          </a:fontRef>
-        </p:style>
-        <p:txBody>
-          <a:bodyPr rtlCol="0" anchor="ctr"/>
-          <a:lstStyle/>
-          <a:p>
-            <a:pPr algn="ctr"/>
-            <a:r>
-              <a:rPr lang="ko-KR" altLang="en-US" dirty="0"/>
-              <a:t>섹션 조절</a:t>
             </a:r>
           </a:p>
         </p:txBody>
@@ -3858,7 +3809,7 @@
         </p:nvSpPr>
         <p:spPr>
           <a:xfrm>
-            <a:off x="7558481" y="1438712"/>
+            <a:off x="4332914" y="4166399"/>
             <a:ext cx="2743200" cy="2381208"/>
           </a:xfrm>
           <a:prstGeom prst="rect">
@@ -3924,8 +3875,8 @@
         </p:nvSpPr>
         <p:spPr>
           <a:xfrm>
-            <a:off x="4161350" y="4032176"/>
-            <a:ext cx="3187817" cy="2381208"/>
+            <a:off x="7558481" y="4032176"/>
+            <a:ext cx="2743200" cy="2381208"/>
           </a:xfrm>
           <a:prstGeom prst="rect">
             <a:avLst/>
@@ -4149,6 +4100,55 @@
             <a:r>
               <a:rPr lang="ko-KR" altLang="en-US" dirty="0"/>
               <a:t>추가</a:t>
+            </a:r>
+          </a:p>
+        </p:txBody>
+      </p:sp>
+      <p:sp>
+        <p:nvSpPr>
+          <p:cNvPr id="18" name="직사각형 17">
+            <a:extLst>
+              <a:ext uri="{FF2B5EF4-FFF2-40B4-BE49-F238E27FC236}">
+                <a16:creationId xmlns:a16="http://schemas.microsoft.com/office/drawing/2014/main" id="{414AF0D9-C458-4505-8406-F18CF8BB8445}"/>
+              </a:ext>
+            </a:extLst>
+          </p:cNvPr>
+          <p:cNvSpPr/>
+          <p:nvPr/>
+        </p:nvSpPr>
+        <p:spPr>
+          <a:xfrm>
+            <a:off x="7508766" y="1465362"/>
+            <a:ext cx="3187817" cy="2318074"/>
+          </a:xfrm>
+          <a:prstGeom prst="rect">
+            <a:avLst/>
+          </a:prstGeom>
+        </p:spPr>
+        <p:style>
+          <a:lnRef idx="2">
+            <a:schemeClr val="accent1">
+              <a:shade val="50000"/>
+            </a:schemeClr>
+          </a:lnRef>
+          <a:fillRef idx="1">
+            <a:schemeClr val="accent1"/>
+          </a:fillRef>
+          <a:effectRef idx="0">
+            <a:schemeClr val="accent1"/>
+          </a:effectRef>
+          <a:fontRef idx="minor">
+            <a:schemeClr val="lt1"/>
+          </a:fontRef>
+        </p:style>
+        <p:txBody>
+          <a:bodyPr rtlCol="0" anchor="ctr"/>
+          <a:lstStyle/>
+          <a:p>
+            <a:pPr algn="ctr"/>
+            <a:r>
+              <a:rPr lang="ko-KR" altLang="en-US" dirty="0"/>
+              <a:t>섹션 조절</a:t>
             </a:r>
           </a:p>
         </p:txBody>
@@ -4413,7 +4413,7 @@
         <p:spPr>
           <a:xfrm>
             <a:off x="4161352" y="1438712"/>
-            <a:ext cx="3187817" cy="1998677"/>
+            <a:ext cx="3187817" cy="2302778"/>
           </a:xfrm>
           <a:prstGeom prst="rect">
             <a:avLst/>
@@ -4443,55 +4443,6 @@
             <a:r>
               <a:rPr lang="ko-KR" altLang="en-US" dirty="0"/>
               <a:t>미리보기</a:t>
-            </a:r>
-          </a:p>
-        </p:txBody>
-      </p:sp>
-      <p:sp>
-        <p:nvSpPr>
-          <p:cNvPr id="8" name="직사각형 7">
-            <a:extLst>
-              <a:ext uri="{FF2B5EF4-FFF2-40B4-BE49-F238E27FC236}">
-                <a16:creationId xmlns:a16="http://schemas.microsoft.com/office/drawing/2014/main" id="{FAAD60EA-A0C5-4B0E-BCD3-325364700151}"/>
-              </a:ext>
-            </a:extLst>
-          </p:cNvPr>
-          <p:cNvSpPr/>
-          <p:nvPr/>
-        </p:nvSpPr>
-        <p:spPr>
-          <a:xfrm>
-            <a:off x="4161351" y="3431929"/>
-            <a:ext cx="3187817" cy="387991"/>
-          </a:xfrm>
-          <a:prstGeom prst="rect">
-            <a:avLst/>
-          </a:prstGeom>
-        </p:spPr>
-        <p:style>
-          <a:lnRef idx="2">
-            <a:schemeClr val="accent1">
-              <a:shade val="50000"/>
-            </a:schemeClr>
-          </a:lnRef>
-          <a:fillRef idx="1">
-            <a:schemeClr val="accent1"/>
-          </a:fillRef>
-          <a:effectRef idx="0">
-            <a:schemeClr val="accent1"/>
-          </a:effectRef>
-          <a:fontRef idx="minor">
-            <a:schemeClr val="lt1"/>
-          </a:fontRef>
-        </p:style>
-        <p:txBody>
-          <a:bodyPr rtlCol="0" anchor="ctr"/>
-          <a:lstStyle/>
-          <a:p>
-            <a:pPr algn="ctr"/>
-            <a:r>
-              <a:rPr lang="ko-KR" altLang="en-US" dirty="0"/>
-              <a:t>섹션 조절</a:t>
             </a:r>
           </a:p>
         </p:txBody>
@@ -4613,115 +4564,6 @@
       </p:sp>
       <p:sp>
         <p:nvSpPr>
-          <p:cNvPr id="11" name="직사각형 10">
-            <a:extLst>
-              <a:ext uri="{FF2B5EF4-FFF2-40B4-BE49-F238E27FC236}">
-                <a16:creationId xmlns:a16="http://schemas.microsoft.com/office/drawing/2014/main" id="{313DBBCB-5AAB-4361-ADC2-A825D6E7D83A}"/>
-              </a:ext>
-            </a:extLst>
-          </p:cNvPr>
-          <p:cNvSpPr/>
-          <p:nvPr/>
-        </p:nvSpPr>
-        <p:spPr>
-          <a:xfrm>
-            <a:off x="7558481" y="1438712"/>
-            <a:ext cx="2743200" cy="2381208"/>
-          </a:xfrm>
-          <a:prstGeom prst="rect">
-            <a:avLst/>
-          </a:prstGeom>
-        </p:spPr>
-        <p:style>
-          <a:lnRef idx="2">
-            <a:schemeClr val="accent1">
-              <a:shade val="50000"/>
-            </a:schemeClr>
-          </a:lnRef>
-          <a:fillRef idx="1">
-            <a:schemeClr val="accent1"/>
-          </a:fillRef>
-          <a:effectRef idx="0">
-            <a:schemeClr val="accent1"/>
-          </a:effectRef>
-          <a:fontRef idx="minor">
-            <a:schemeClr val="lt1"/>
-          </a:fontRef>
-        </p:style>
-        <p:txBody>
-          <a:bodyPr rtlCol="0" anchor="ctr"/>
-          <a:lstStyle/>
-          <a:p>
-            <a:pPr algn="ctr"/>
-            <a:r>
-              <a:rPr lang="ko-KR" altLang="en-US" dirty="0"/>
-              <a:t>파트 목록</a:t>
-            </a:r>
-            <a:endParaRPr lang="en-US" altLang="ko-KR" dirty="0"/>
-          </a:p>
-          <a:p>
-            <a:pPr algn="ctr"/>
-            <a:endParaRPr lang="en-US" altLang="ko-KR" dirty="0"/>
-          </a:p>
-          <a:p>
-            <a:pPr algn="ctr"/>
-            <a:r>
-              <a:rPr lang="ko-KR" altLang="en-US" dirty="0"/>
-              <a:t>파트</a:t>
-            </a:r>
-            <a:r>
-              <a:rPr lang="en-US" altLang="ko-KR" dirty="0"/>
-              <a:t>1</a:t>
-            </a:r>
-          </a:p>
-          <a:p>
-            <a:pPr algn="ctr"/>
-            <a:r>
-              <a:rPr lang="ko-KR" altLang="en-US" dirty="0"/>
-              <a:t>파트</a:t>
-            </a:r>
-            <a:r>
-              <a:rPr lang="en-US" altLang="ko-KR" dirty="0"/>
-              <a:t>2</a:t>
-            </a:r>
-          </a:p>
-          <a:p>
-            <a:pPr algn="ctr"/>
-            <a:r>
-              <a:rPr lang="ko-KR" altLang="en-US" dirty="0"/>
-              <a:t>파트</a:t>
-            </a:r>
-            <a:r>
-              <a:rPr lang="en-US" altLang="ko-KR" dirty="0"/>
-              <a:t>3</a:t>
-            </a:r>
-          </a:p>
-          <a:p>
-            <a:pPr algn="ctr"/>
-            <a:r>
-              <a:rPr lang="en-US" altLang="ko-KR" dirty="0"/>
-              <a:t>.</a:t>
-            </a:r>
-          </a:p>
-          <a:p>
-            <a:pPr algn="ctr"/>
-            <a:r>
-              <a:rPr lang="en-US" altLang="ko-KR" dirty="0"/>
-              <a:t>.</a:t>
-            </a:r>
-          </a:p>
-          <a:p>
-            <a:pPr algn="ctr"/>
-            <a:r>
-              <a:rPr lang="ko-KR" altLang="en-US" dirty="0"/>
-              <a:t>파트 추가</a:t>
-            </a:r>
-            <a:endParaRPr lang="en-US" altLang="ko-KR" dirty="0"/>
-          </a:p>
-        </p:txBody>
-      </p:sp>
-      <p:sp>
-        <p:nvSpPr>
           <p:cNvPr id="2" name="직사각형 1">
             <a:extLst>
               <a:ext uri="{FF2B5EF4-FFF2-40B4-BE49-F238E27FC236}">
@@ -4765,6 +4607,55 @@
             <a:r>
               <a:rPr lang="ko-KR" altLang="en-US" dirty="0"/>
               <a:t>파트 별 이미지 추가</a:t>
+            </a:r>
+          </a:p>
+        </p:txBody>
+      </p:sp>
+      <p:sp>
+        <p:nvSpPr>
+          <p:cNvPr id="12" name="직사각형 11">
+            <a:extLst>
+              <a:ext uri="{FF2B5EF4-FFF2-40B4-BE49-F238E27FC236}">
+                <a16:creationId xmlns:a16="http://schemas.microsoft.com/office/drawing/2014/main" id="{D2672C1A-071D-4A4E-A9E0-8F9ACE7CC9D2}"/>
+              </a:ext>
+            </a:extLst>
+          </p:cNvPr>
+          <p:cNvSpPr/>
+          <p:nvPr/>
+        </p:nvSpPr>
+        <p:spPr>
+          <a:xfrm>
+            <a:off x="7508766" y="1465362"/>
+            <a:ext cx="3187817" cy="2318074"/>
+          </a:xfrm>
+          <a:prstGeom prst="rect">
+            <a:avLst/>
+          </a:prstGeom>
+        </p:spPr>
+        <p:style>
+          <a:lnRef idx="2">
+            <a:schemeClr val="accent1">
+              <a:shade val="50000"/>
+            </a:schemeClr>
+          </a:lnRef>
+          <a:fillRef idx="1">
+            <a:schemeClr val="accent1"/>
+          </a:fillRef>
+          <a:effectRef idx="0">
+            <a:schemeClr val="accent1"/>
+          </a:effectRef>
+          <a:fontRef idx="minor">
+            <a:schemeClr val="lt1"/>
+          </a:fontRef>
+        </p:style>
+        <p:txBody>
+          <a:bodyPr rtlCol="0" anchor="ctr"/>
+          <a:lstStyle/>
+          <a:p>
+            <a:pPr algn="ctr"/>
+            <a:r>
+              <a:rPr lang="ko-KR" altLang="en-US" dirty="0"/>
+              <a:t>섹션 조절</a:t>
             </a:r>
           </a:p>
         </p:txBody>
